--- a/Ecommerce_Product_Categorization_Rashmi Ranjan.pptx
+++ b/Ecommerce_Product_Categorization_Rashmi Ranjan.pptx
@@ -7,25 +7,26 @@
   <p:sldIdLst>
     <p:sldId id="256" r:id="rId2"/>
     <p:sldId id="257" r:id="rId3"/>
-    <p:sldId id="258" r:id="rId4"/>
-    <p:sldId id="259" r:id="rId5"/>
-    <p:sldId id="260" r:id="rId6"/>
-    <p:sldId id="261" r:id="rId7"/>
-    <p:sldId id="262" r:id="rId8"/>
-    <p:sldId id="269" r:id="rId9"/>
-    <p:sldId id="263" r:id="rId10"/>
-    <p:sldId id="270" r:id="rId11"/>
-    <p:sldId id="271" r:id="rId12"/>
-    <p:sldId id="265" r:id="rId13"/>
-    <p:sldId id="264" r:id="rId14"/>
-    <p:sldId id="272" r:id="rId15"/>
-    <p:sldId id="266" r:id="rId16"/>
-    <p:sldId id="267" r:id="rId17"/>
-    <p:sldId id="268" r:id="rId18"/>
-    <p:sldId id="274" r:id="rId19"/>
-    <p:sldId id="273" r:id="rId20"/>
-    <p:sldId id="275" r:id="rId21"/>
-    <p:sldId id="276" r:id="rId22"/>
+    <p:sldId id="277" r:id="rId4"/>
+    <p:sldId id="258" r:id="rId5"/>
+    <p:sldId id="259" r:id="rId6"/>
+    <p:sldId id="260" r:id="rId7"/>
+    <p:sldId id="261" r:id="rId8"/>
+    <p:sldId id="262" r:id="rId9"/>
+    <p:sldId id="269" r:id="rId10"/>
+    <p:sldId id="263" r:id="rId11"/>
+    <p:sldId id="270" r:id="rId12"/>
+    <p:sldId id="271" r:id="rId13"/>
+    <p:sldId id="265" r:id="rId14"/>
+    <p:sldId id="264" r:id="rId15"/>
+    <p:sldId id="272" r:id="rId16"/>
+    <p:sldId id="266" r:id="rId17"/>
+    <p:sldId id="267" r:id="rId18"/>
+    <p:sldId id="268" r:id="rId19"/>
+    <p:sldId id="274" r:id="rId20"/>
+    <p:sldId id="273" r:id="rId21"/>
+    <p:sldId id="275" r:id="rId22"/>
+    <p:sldId id="276" r:id="rId23"/>
   </p:sldIdLst>
   <p:sldSz cx="9144000" cy="6858000" type="screen4x3"/>
   <p:notesSz cx="6858000" cy="9144000"/>
@@ -3766,6 +3767,92 @@
   <p:cSld>
     <p:spTree>
       <p:nvGrpSpPr>
+        <p:cNvPr id="1" name=""/>
+        <p:cNvGrpSpPr/>
+        <p:nvPr/>
+      </p:nvGrpSpPr>
+      <p:grpSpPr>
+        <a:xfrm>
+          <a:off x="0" y="0"/>
+          <a:ext cx="0" cy="0"/>
+          <a:chOff x="0" y="0"/>
+          <a:chExt cx="0" cy="0"/>
+        </a:xfrm>
+      </p:grpSpPr>
+      <p:sp>
+        <p:nvSpPr>
+          <p:cNvPr id="2" name="Title 1"/>
+          <p:cNvSpPr>
+            <a:spLocks noGrp="1"/>
+          </p:cNvSpPr>
+          <p:nvPr>
+            <p:ph type="title"/>
+          </p:nvPr>
+        </p:nvSpPr>
+        <p:spPr/>
+        <p:txBody>
+          <a:bodyPr/>
+          <a:lstStyle/>
+          <a:p>
+            <a:r>
+              <a:t>Logistic Regression Model</a:t>
+            </a:r>
+          </a:p>
+        </p:txBody>
+      </p:sp>
+      <p:sp>
+        <p:nvSpPr>
+          <p:cNvPr id="3" name="Content Placeholder 2"/>
+          <p:cNvSpPr>
+            <a:spLocks noGrp="1"/>
+          </p:cNvSpPr>
+          <p:nvPr>
+            <p:ph idx="1"/>
+          </p:nvPr>
+        </p:nvSpPr>
+        <p:spPr/>
+        <p:txBody>
+          <a:bodyPr/>
+          <a:lstStyle/>
+          <a:p>
+            <a:r>
+              <a:rPr dirty="0"/>
+              <a:t>- Results:</a:t>
+            </a:r>
+          </a:p>
+          <a:p>
+            <a:r>
+              <a:rPr dirty="0"/>
+              <a:t>  - Accuracy: 96.99%.</a:t>
+            </a:r>
+          </a:p>
+          <a:p>
+            <a:r>
+              <a:rPr dirty="0"/>
+              <a:t>  - F1 Score: 0.96.</a:t>
+            </a:r>
+          </a:p>
+          <a:p>
+            <a:r>
+              <a:rPr dirty="0"/>
+              <a:t>- Use case: Baseline performance comparison.</a:t>
+            </a:r>
+          </a:p>
+        </p:txBody>
+      </p:sp>
+    </p:spTree>
+  </p:cSld>
+  <p:clrMapOvr>
+    <a:masterClrMapping/>
+  </p:clrMapOvr>
+</p:sld>
+</file>
+
+<file path=ppt/slides/slide11.xml><?xml version="1.0" encoding="utf-8"?>
+<p:sld xmlns:a="http://schemas.openxmlformats.org/drawingml/2006/main" xmlns:r="http://schemas.openxmlformats.org/officeDocument/2006/relationships" xmlns:p="http://schemas.openxmlformats.org/presentationml/2006/main">
+  <p:cSld>
+    <p:spTree>
+      <p:nvGrpSpPr>
         <p:cNvPr id="1" name="">
           <a:extLst>
             <a:ext uri="{FF2B5EF4-FFF2-40B4-BE49-F238E27FC236}">
@@ -3887,7 +3974,7 @@
 </p:sld>
 </file>
 
-<file path=ppt/slides/slide11.xml><?xml version="1.0" encoding="utf-8"?>
+<file path=ppt/slides/slide12.xml><?xml version="1.0" encoding="utf-8"?>
 <p:sld xmlns:a="http://schemas.openxmlformats.org/drawingml/2006/main" xmlns:r="http://schemas.openxmlformats.org/officeDocument/2006/relationships" xmlns:p="http://schemas.openxmlformats.org/presentationml/2006/main">
   <p:cSld>
     <p:spTree>
@@ -4014,100 +4101,6 @@
         <p14:creationId xmlns:p14="http://schemas.microsoft.com/office/powerpoint/2010/main" val="1301281135"/>
       </p:ext>
     </p:extLst>
-  </p:cSld>
-  <p:clrMapOvr>
-    <a:masterClrMapping/>
-  </p:clrMapOvr>
-</p:sld>
-</file>
-
-<file path=ppt/slides/slide12.xml><?xml version="1.0" encoding="utf-8"?>
-<p:sld xmlns:a="http://schemas.openxmlformats.org/drawingml/2006/main" xmlns:r="http://schemas.openxmlformats.org/officeDocument/2006/relationships" xmlns:p="http://schemas.openxmlformats.org/presentationml/2006/main">
-  <p:cSld>
-    <p:spTree>
-      <p:nvGrpSpPr>
-        <p:cNvPr id="1" name=""/>
-        <p:cNvGrpSpPr/>
-        <p:nvPr/>
-      </p:nvGrpSpPr>
-      <p:grpSpPr>
-        <a:xfrm>
-          <a:off x="0" y="0"/>
-          <a:ext cx="0" cy="0"/>
-          <a:chOff x="0" y="0"/>
-          <a:chExt cx="0" cy="0"/>
-        </a:xfrm>
-      </p:grpSpPr>
-      <p:sp>
-        <p:nvSpPr>
-          <p:cNvPr id="2" name="Title 1"/>
-          <p:cNvSpPr>
-            <a:spLocks noGrp="1"/>
-          </p:cNvSpPr>
-          <p:nvPr>
-            <p:ph type="title"/>
-          </p:nvPr>
-        </p:nvSpPr>
-        <p:spPr/>
-        <p:txBody>
-          <a:bodyPr/>
-          <a:lstStyle/>
-          <a:p>
-            <a:r>
-              <a:t>Support Vector Machine (SVM)</a:t>
-            </a:r>
-          </a:p>
-        </p:txBody>
-      </p:sp>
-      <p:sp>
-        <p:nvSpPr>
-          <p:cNvPr id="3" name="Content Placeholder 2"/>
-          <p:cNvSpPr>
-            <a:spLocks noGrp="1"/>
-          </p:cNvSpPr>
-          <p:nvPr>
-            <p:ph idx="1"/>
-          </p:nvPr>
-        </p:nvSpPr>
-        <p:spPr/>
-        <p:txBody>
-          <a:bodyPr/>
-          <a:lstStyle/>
-          <a:p>
-            <a:r>
-              <a:rPr dirty="0"/>
-              <a:t>- Results:</a:t>
-            </a:r>
-          </a:p>
-          <a:p>
-            <a:r>
-              <a:rPr dirty="0"/>
-              <a:t>  - Accuracy: 9</a:t>
-            </a:r>
-            <a:r>
-              <a:rPr lang="en-US" dirty="0"/>
-              <a:t>8.00</a:t>
-            </a:r>
-            <a:r>
-              <a:rPr dirty="0"/>
-              <a:t>%.</a:t>
-            </a:r>
-          </a:p>
-          <a:p>
-            <a:r>
-              <a:rPr dirty="0"/>
-              <a:t>  - F1 Score: 0.96.</a:t>
-            </a:r>
-          </a:p>
-          <a:p>
-            <a:r>
-              <a:rPr dirty="0"/>
-              <a:t>- Kernel optimization for text classification.</a:t>
-            </a:r>
-          </a:p>
-        </p:txBody>
-      </p:sp>
-    </p:spTree>
   </p:cSld>
   <p:clrMapOvr>
     <a:masterClrMapping/>
@@ -4148,8 +4141,7 @@
           <a:lstStyle/>
           <a:p>
             <a:r>
-              <a:rPr lang="en-IN" dirty="0"/>
-              <a:t>Decision Trees Classifier</a:t>
+              <a:t>Support Vector Machine (SVM)</a:t>
             </a:r>
           </a:p>
         </p:txBody>
@@ -4181,15 +4173,7 @@
             </a:r>
             <a:r>
               <a:rPr lang="en-US" dirty="0"/>
-              <a:t>3</a:t>
-            </a:r>
-            <a:r>
-              <a:rPr dirty="0"/>
-              <a:t>.</a:t>
-            </a:r>
-            <a:r>
-              <a:rPr lang="en-US" dirty="0"/>
-              <a:t>46</a:t>
+              <a:t>8.00</a:t>
             </a:r>
             <a:r>
               <a:rPr dirty="0"/>
@@ -4199,21 +4183,13 @@
           <a:p>
             <a:r>
               <a:rPr dirty="0"/>
-              <a:t>  - F1 Score: 0.9</a:t>
-            </a:r>
-            <a:r>
-              <a:rPr lang="en-US" dirty="0"/>
-              <a:t>6</a:t>
-            </a:r>
+              <a:t>  - F1 Score: 0.96.</a:t>
+            </a:r>
+          </a:p>
+          <a:p>
             <a:r>
               <a:rPr dirty="0"/>
-              <a:t>.</a:t>
-            </a:r>
-          </a:p>
-          <a:p>
-            <a:r>
-              <a:rPr dirty="0"/>
-              <a:t>- Feature importance analysis to determine critical features.</a:t>
+              <a:t>- Kernel optimization for text classification.</a:t>
             </a:r>
           </a:p>
         </p:txBody>
@@ -4227,6 +4203,117 @@
 </file>
 
 <file path=ppt/slides/slide14.xml><?xml version="1.0" encoding="utf-8"?>
+<p:sld xmlns:a="http://schemas.openxmlformats.org/drawingml/2006/main" xmlns:r="http://schemas.openxmlformats.org/officeDocument/2006/relationships" xmlns:p="http://schemas.openxmlformats.org/presentationml/2006/main">
+  <p:cSld>
+    <p:spTree>
+      <p:nvGrpSpPr>
+        <p:cNvPr id="1" name=""/>
+        <p:cNvGrpSpPr/>
+        <p:nvPr/>
+      </p:nvGrpSpPr>
+      <p:grpSpPr>
+        <a:xfrm>
+          <a:off x="0" y="0"/>
+          <a:ext cx="0" cy="0"/>
+          <a:chOff x="0" y="0"/>
+          <a:chExt cx="0" cy="0"/>
+        </a:xfrm>
+      </p:grpSpPr>
+      <p:sp>
+        <p:nvSpPr>
+          <p:cNvPr id="2" name="Title 1"/>
+          <p:cNvSpPr>
+            <a:spLocks noGrp="1"/>
+          </p:cNvSpPr>
+          <p:nvPr>
+            <p:ph type="title"/>
+          </p:nvPr>
+        </p:nvSpPr>
+        <p:spPr/>
+        <p:txBody>
+          <a:bodyPr/>
+          <a:lstStyle/>
+          <a:p>
+            <a:r>
+              <a:rPr lang="en-IN" dirty="0"/>
+              <a:t>Decision Trees Classifier</a:t>
+            </a:r>
+          </a:p>
+        </p:txBody>
+      </p:sp>
+      <p:sp>
+        <p:nvSpPr>
+          <p:cNvPr id="3" name="Content Placeholder 2"/>
+          <p:cNvSpPr>
+            <a:spLocks noGrp="1"/>
+          </p:cNvSpPr>
+          <p:nvPr>
+            <p:ph idx="1"/>
+          </p:nvPr>
+        </p:nvSpPr>
+        <p:spPr/>
+        <p:txBody>
+          <a:bodyPr/>
+          <a:lstStyle/>
+          <a:p>
+            <a:r>
+              <a:rPr dirty="0"/>
+              <a:t>- Results:</a:t>
+            </a:r>
+          </a:p>
+          <a:p>
+            <a:r>
+              <a:rPr dirty="0"/>
+              <a:t>  - Accuracy: 9</a:t>
+            </a:r>
+            <a:r>
+              <a:rPr lang="en-US" dirty="0"/>
+              <a:t>3</a:t>
+            </a:r>
+            <a:r>
+              <a:rPr dirty="0"/>
+              <a:t>.</a:t>
+            </a:r>
+            <a:r>
+              <a:rPr lang="en-US" dirty="0"/>
+              <a:t>46</a:t>
+            </a:r>
+            <a:r>
+              <a:rPr dirty="0"/>
+              <a:t>%.</a:t>
+            </a:r>
+          </a:p>
+          <a:p>
+            <a:r>
+              <a:rPr dirty="0"/>
+              <a:t>  - F1 Score: 0.9</a:t>
+            </a:r>
+            <a:r>
+              <a:rPr lang="en-US" dirty="0"/>
+              <a:t>6</a:t>
+            </a:r>
+            <a:r>
+              <a:rPr dirty="0"/>
+              <a:t>.</a:t>
+            </a:r>
+          </a:p>
+          <a:p>
+            <a:r>
+              <a:rPr dirty="0"/>
+              <a:t>- Feature importance analysis to determine critical features.</a:t>
+            </a:r>
+          </a:p>
+        </p:txBody>
+      </p:sp>
+    </p:spTree>
+  </p:cSld>
+  <p:clrMapOvr>
+    <a:masterClrMapping/>
+  </p:clrMapOvr>
+</p:sld>
+</file>
+
+<file path=ppt/slides/slide15.xml><?xml version="1.0" encoding="utf-8"?>
 <p:sld xmlns:a="http://schemas.openxmlformats.org/drawingml/2006/main" xmlns:r="http://schemas.openxmlformats.org/officeDocument/2006/relationships" xmlns:p="http://schemas.openxmlformats.org/presentationml/2006/main">
   <p:cSld>
     <p:spTree>
@@ -4352,103 +4439,6 @@
         <p14:creationId xmlns:p14="http://schemas.microsoft.com/office/powerpoint/2010/main" val="269844967"/>
       </p:ext>
     </p:extLst>
-  </p:cSld>
-  <p:clrMapOvr>
-    <a:masterClrMapping/>
-  </p:clrMapOvr>
-</p:sld>
-</file>
-
-<file path=ppt/slides/slide15.xml><?xml version="1.0" encoding="utf-8"?>
-<p:sld xmlns:a="http://schemas.openxmlformats.org/drawingml/2006/main" xmlns:r="http://schemas.openxmlformats.org/officeDocument/2006/relationships" xmlns:p="http://schemas.openxmlformats.org/presentationml/2006/main">
-  <p:cSld>
-    <p:spTree>
-      <p:nvGrpSpPr>
-        <p:cNvPr id="1" name=""/>
-        <p:cNvGrpSpPr/>
-        <p:nvPr/>
-      </p:nvGrpSpPr>
-      <p:grpSpPr>
-        <a:xfrm>
-          <a:off x="0" y="0"/>
-          <a:ext cx="0" cy="0"/>
-          <a:chOff x="0" y="0"/>
-          <a:chExt cx="0" cy="0"/>
-        </a:xfrm>
-      </p:grpSpPr>
-      <p:sp>
-        <p:nvSpPr>
-          <p:cNvPr id="2" name="Title 1"/>
-          <p:cNvSpPr>
-            <a:spLocks noGrp="1"/>
-          </p:cNvSpPr>
-          <p:nvPr>
-            <p:ph type="title"/>
-          </p:nvPr>
-        </p:nvSpPr>
-        <p:spPr/>
-        <p:txBody>
-          <a:bodyPr/>
-          <a:lstStyle/>
-          <a:p>
-            <a:r>
-              <a:rPr lang="en-IN" dirty="0"/>
-              <a:t> K Nearest Neighbours</a:t>
-            </a:r>
-          </a:p>
-        </p:txBody>
-      </p:sp>
-      <p:sp>
-        <p:nvSpPr>
-          <p:cNvPr id="3" name="Content Placeholder 2"/>
-          <p:cNvSpPr>
-            <a:spLocks noGrp="1"/>
-          </p:cNvSpPr>
-          <p:nvPr>
-            <p:ph idx="1"/>
-          </p:nvPr>
-        </p:nvSpPr>
-        <p:spPr/>
-        <p:txBody>
-          <a:bodyPr/>
-          <a:lstStyle/>
-          <a:p>
-            <a:r>
-              <a:rPr dirty="0"/>
-              <a:t>- **Results:**</a:t>
-            </a:r>
-          </a:p>
-          <a:p>
-            <a:r>
-              <a:rPr dirty="0"/>
-              <a:t>  - Accuracy: </a:t>
-            </a:r>
-            <a:r>
-              <a:rPr lang="en-US" dirty="0"/>
-              <a:t>95.97</a:t>
-            </a:r>
-            <a:r>
-              <a:rPr dirty="0"/>
-              <a:t>%.</a:t>
-            </a:r>
-          </a:p>
-          <a:p>
-            <a:r>
-              <a:rPr dirty="0"/>
-              <a:t>  - F1 Score: 0.9</a:t>
-            </a:r>
-            <a:r>
-              <a:rPr lang="en-US" dirty="0"/>
-              <a:t>7</a:t>
-            </a:r>
-            <a:r>
-              <a:rPr dirty="0"/>
-              <a:t>.</a:t>
-            </a:r>
-          </a:p>
-        </p:txBody>
-      </p:sp>
-    </p:spTree>
   </p:cSld>
   <p:clrMapOvr>
     <a:masterClrMapping/>
@@ -4489,7 +4479,8 @@
           <a:lstStyle/>
           <a:p>
             <a:r>
-              <a:t>Comparative Analysis of Models</a:t>
+              <a:rPr lang="en-IN" dirty="0"/>
+              <a:t> K Nearest Neighbours</a:t>
             </a:r>
           </a:p>
         </p:txBody>
@@ -4510,22 +4501,36 @@
           <a:lstStyle/>
           <a:p>
             <a:r>
-              <a:t>- Accuracy comparison across models (Logistic Regression, RF, SVM).</a:t>
-            </a:r>
-          </a:p>
-          <a:p>
-            <a:r>
-              <a:t>- Visuals:</a:t>
-            </a:r>
-          </a:p>
-          <a:p>
-            <a:r>
-              <a:t>  - Bar chart with accuracy and F1 scores.</a:t>
-            </a:r>
-          </a:p>
-          <a:p>
-            <a:r>
-              <a:t>- Observation: Ensemble models performed best overall.</a:t>
+              <a:rPr dirty="0"/>
+              <a:t>- **Results:**</a:t>
+            </a:r>
+          </a:p>
+          <a:p>
+            <a:r>
+              <a:rPr dirty="0"/>
+              <a:t>  - Accuracy: </a:t>
+            </a:r>
+            <a:r>
+              <a:rPr lang="en-US" dirty="0"/>
+              <a:t>95.97</a:t>
+            </a:r>
+            <a:r>
+              <a:rPr dirty="0"/>
+              <a:t>%.</a:t>
+            </a:r>
+          </a:p>
+          <a:p>
+            <a:r>
+              <a:rPr dirty="0"/>
+              <a:t>  - F1 Score: 0.9</a:t>
+            </a:r>
+            <a:r>
+              <a:rPr lang="en-US" dirty="0"/>
+              <a:t>7</a:t>
+            </a:r>
+            <a:r>
+              <a:rPr dirty="0"/>
+              <a:t>.</a:t>
             </a:r>
           </a:p>
         </p:txBody>
@@ -4571,7 +4576,7 @@
           <a:lstStyle/>
           <a:p>
             <a:r>
-              <a:t>Hyperparameter Optimization</a:t>
+              <a:t>Comparative Analysis of Models</a:t>
             </a:r>
           </a:p>
         </p:txBody>
@@ -4592,17 +4597,22 @@
           <a:lstStyle/>
           <a:p>
             <a:r>
-              <a:t>- Used grid and random search for fine-tuning.</a:t>
-            </a:r>
-          </a:p>
-          <a:p>
-            <a:r>
-              <a:t>- Improved metrics like accuracy, recall, and precision.</a:t>
-            </a:r>
-          </a:p>
-          <a:p>
-            <a:r>
-              <a:t>- Visuals: Parameter optimization curves.</a:t>
+              <a:t>- Accuracy comparison across models (Logistic Regression, RF, SVM).</a:t>
+            </a:r>
+          </a:p>
+          <a:p>
+            <a:r>
+              <a:t>- Visuals:</a:t>
+            </a:r>
+          </a:p>
+          <a:p>
+            <a:r>
+              <a:t>  - Bar chart with accuracy and F1 scores.</a:t>
+            </a:r>
+          </a:p>
+          <a:p>
+            <a:r>
+              <a:t>- Observation: Ensemble models performed best overall.</a:t>
             </a:r>
           </a:p>
         </p:txBody>
@@ -4648,7 +4658,7 @@
           <a:lstStyle/>
           <a:p>
             <a:r>
-              <a:t>Insights and Observations</a:t>
+              <a:t>Hyperparameter Optimization</a:t>
             </a:r>
           </a:p>
         </p:txBody>
@@ -4665,77 +4675,21 @@
         </p:nvSpPr>
         <p:spPr/>
         <p:txBody>
-          <a:bodyPr>
-            <a:normAutofit lnSpcReduction="10000"/>
-          </a:bodyPr>
-          <a:lstStyle/>
-          <a:p>
-            <a:endParaRPr dirty="0"/>
-          </a:p>
-          <a:p>
-            <a:pPr>
-              <a:defRPr sz="1800">
-                <a:solidFill>
-                  <a:srgbClr val="000000"/>
-                </a:solidFill>
-              </a:defRPr>
-            </a:pPr>
-            <a:r>
-              <a:rPr dirty="0"/>
-              <a:t>Product descriptions vary significantly in length and content.</a:t>
-            </a:r>
-          </a:p>
-          <a:p>
-            <a:pPr>
-              <a:defRPr sz="1800">
-                <a:solidFill>
-                  <a:srgbClr val="000000"/>
-                </a:solidFill>
-              </a:defRPr>
-            </a:pPr>
-            <a:r>
-              <a:rPr dirty="0"/>
-              <a:t>Data preprocessing improved model accuracy by 10%.</a:t>
-            </a:r>
-          </a:p>
-          <a:p>
-            <a:pPr>
-              <a:defRPr sz="1800">
-                <a:solidFill>
-                  <a:srgbClr val="000000"/>
-                </a:solidFill>
-              </a:defRPr>
-            </a:pPr>
-            <a:r>
-              <a:rPr dirty="0"/>
-              <a:t>Category-specific word clouds highlight distinct keywords.</a:t>
-            </a:r>
-            <a:endParaRPr lang="en-US" dirty="0"/>
-          </a:p>
-          <a:p>
-            <a:r>
-              <a:rPr lang="en-US" dirty="0"/>
-              <a:t>- Strong performance in categories like 'Clothing', '</a:t>
-            </a:r>
-            <a:r>
-              <a:rPr lang="en-US" dirty="0" err="1"/>
-              <a:t>Jewellery</a:t>
-            </a:r>
-            <a:r>
-              <a:rPr lang="en-US" dirty="0"/>
-              <a:t>'.</a:t>
-            </a:r>
-          </a:p>
-          <a:p>
-            <a:r>
-              <a:rPr lang="en-US" dirty="0"/>
-              <a:t>- Challenges in minor categories like 'Pens &amp; Stationery'.</a:t>
-            </a:r>
-          </a:p>
-          <a:p>
-            <a:r>
-              <a:rPr lang="en-US" dirty="0"/>
-              <a:t>- Room for improvement in less-represented classes.</a:t>
+          <a:bodyPr/>
+          <a:lstStyle/>
+          <a:p>
+            <a:r>
+              <a:t>- Used grid and random search for fine-tuning.</a:t>
+            </a:r>
+          </a:p>
+          <a:p>
+            <a:r>
+              <a:t>- Improved metrics like accuracy, recall, and precision.</a:t>
+            </a:r>
+          </a:p>
+          <a:p>
+            <a:r>
+              <a:t>- Visuals: Parameter optimization curves.</a:t>
             </a:r>
           </a:p>
         </p:txBody>
@@ -4781,7 +4735,7 @@
           <a:lstStyle/>
           <a:p>
             <a:r>
-              <a:t>Key Performance Metrics</a:t>
+              <a:t>Insights and Observations</a:t>
             </a:r>
           </a:p>
         </p:txBody>
@@ -4798,10 +4752,12 @@
         </p:nvSpPr>
         <p:spPr/>
         <p:txBody>
-          <a:bodyPr/>
-          <a:lstStyle/>
-          <a:p>
-            <a:endParaRPr/>
+          <a:bodyPr>
+            <a:normAutofit lnSpcReduction="10000"/>
+          </a:bodyPr>
+          <a:lstStyle/>
+          <a:p>
+            <a:endParaRPr dirty="0"/>
           </a:p>
           <a:p>
             <a:pPr>
@@ -4812,7 +4768,8 @@
               </a:defRPr>
             </a:pPr>
             <a:r>
-              <a:t>Precision: &gt;0.9 for 12/14 categories.</a:t>
+              <a:rPr dirty="0"/>
+              <a:t>Product descriptions vary significantly in length and content.</a:t>
             </a:r>
           </a:p>
           <a:p>
@@ -4824,7 +4781,8 @@
               </a:defRPr>
             </a:pPr>
             <a:r>
-              <a:t>Recall: High for categories with distinct descriptions.</a:t>
+              <a:rPr dirty="0"/>
+              <a:t>Data preprocessing improved model accuracy by 10%.</a:t>
             </a:r>
           </a:p>
           <a:p>
@@ -4836,7 +4794,35 @@
               </a:defRPr>
             </a:pPr>
             <a:r>
-              <a:t>F1-Score: Balanced across majority classes.</a:t>
+              <a:rPr dirty="0"/>
+              <a:t>Category-specific word clouds highlight distinct keywords.</a:t>
+            </a:r>
+            <a:endParaRPr lang="en-US" dirty="0"/>
+          </a:p>
+          <a:p>
+            <a:r>
+              <a:rPr lang="en-US" dirty="0"/>
+              <a:t>- Strong performance in categories like 'Clothing', '</a:t>
+            </a:r>
+            <a:r>
+              <a:rPr lang="en-US" dirty="0" err="1"/>
+              <a:t>Jewellery</a:t>
+            </a:r>
+            <a:r>
+              <a:rPr lang="en-US" dirty="0"/>
+              <a:t>'.</a:t>
+            </a:r>
+          </a:p>
+          <a:p>
+            <a:r>
+              <a:rPr lang="en-US" dirty="0"/>
+              <a:t>- Challenges in minor categories like 'Pens &amp; Stationery'.</a:t>
+            </a:r>
+          </a:p>
+          <a:p>
+            <a:r>
+              <a:rPr lang="en-US" dirty="0"/>
+              <a:t>- Room for improvement in less-represented classes.</a:t>
             </a:r>
           </a:p>
         </p:txBody>
@@ -4997,7 +4983,7 @@
           <a:lstStyle/>
           <a:p>
             <a:r>
-              <a:t>Conclusion</a:t>
+              <a:t>Key Performance Metrics</a:t>
             </a:r>
           </a:p>
         </p:txBody>
@@ -5028,7 +5014,7 @@
               </a:defRPr>
             </a:pPr>
             <a:r>
-              <a:t>Logistic Regression achieved excellent accuracy on this task.</a:t>
+              <a:t>Precision: &gt;0.9 for 12/14 categories.</a:t>
             </a:r>
           </a:p>
           <a:p>
@@ -5040,7 +5026,7 @@
               </a:defRPr>
             </a:pPr>
             <a:r>
-              <a:t>Comprehensive data cleaning was critical for success.</a:t>
+              <a:t>Recall: High for categories with distinct descriptions.</a:t>
             </a:r>
           </a:p>
           <a:p>
@@ -5052,7 +5038,7 @@
               </a:defRPr>
             </a:pPr>
             <a:r>
-              <a:t>Further work is needed for rare categories.</a:t>
+              <a:t>F1-Score: Balanced across majority classes.</a:t>
             </a:r>
           </a:p>
         </p:txBody>
@@ -5098,7 +5084,7 @@
           <a:lstStyle/>
           <a:p>
             <a:r>
-              <a:t>Future Scope</a:t>
+              <a:t>Conclusion</a:t>
             </a:r>
           </a:p>
         </p:txBody>
@@ -5118,7 +5104,7 @@
           <a:bodyPr/>
           <a:lstStyle/>
           <a:p>
-            <a:endParaRPr dirty="0"/>
+            <a:endParaRPr/>
           </a:p>
           <a:p>
             <a:pPr>
@@ -5129,8 +5115,7 @@
               </a:defRPr>
             </a:pPr>
             <a:r>
-              <a:rPr dirty="0"/>
-              <a:t>Experiment with advanced NLP models like BERT.</a:t>
+              <a:t>Logistic Regression achieved excellent accuracy on this task.</a:t>
             </a:r>
           </a:p>
           <a:p>
@@ -5142,8 +5127,7 @@
               </a:defRPr>
             </a:pPr>
             <a:r>
-              <a:rPr dirty="0"/>
-              <a:t>Incorporate additional features for richer context.</a:t>
+              <a:t>Comprehensive data cleaning was critical for success.</a:t>
             </a:r>
           </a:p>
           <a:p>
@@ -5155,22 +5139,7 @@
               </a:defRPr>
             </a:pPr>
             <a:r>
-              <a:rPr dirty="0"/>
-              <a:t>Focus on rare categories with targeted data collection.</a:t>
-            </a:r>
-            <a:endParaRPr lang="en-US" dirty="0"/>
-          </a:p>
-          <a:p>
-            <a:pPr>
-              <a:defRPr sz="1800">
-                <a:solidFill>
-                  <a:srgbClr val="000000"/>
-                </a:solidFill>
-              </a:defRPr>
-            </a:pPr>
-            <a:r>
-              <a:rPr lang="en-US" dirty="0"/>
-              <a:t>Use larger datasets for improved generalization.</a:t>
+              <a:t>Further work is needed for rare categories.</a:t>
             </a:r>
           </a:p>
         </p:txBody>
@@ -5183,7 +5152,7 @@
 </p:sld>
 </file>
 
-<file path=ppt/slides/slide3.xml><?xml version="1.0" encoding="utf-8"?>
+<file path=ppt/slides/slide22.xml><?xml version="1.0" encoding="utf-8"?>
 <p:sld xmlns:a="http://schemas.openxmlformats.org/drawingml/2006/main" xmlns:r="http://schemas.openxmlformats.org/officeDocument/2006/relationships" xmlns:p="http://schemas.openxmlformats.org/presentationml/2006/main">
   <p:cSld>
     <p:spTree>
@@ -5216,7 +5185,7 @@
           <a:lstStyle/>
           <a:p>
             <a:r>
-              <a:t>Dataset Overview</a:t>
+              <a:t>Future Scope</a:t>
             </a:r>
           </a:p>
         </p:txBody>
@@ -5233,16 +5202,10 @@
         </p:nvSpPr>
         <p:spPr/>
         <p:txBody>
-          <a:bodyPr>
-            <a:normAutofit/>
-          </a:bodyPr>
-          <a:lstStyle/>
-          <a:p>
-            <a:r>
-              <a:rPr dirty="0"/>
-              <a:t>- Train dataset: 14,999 entries | Test dataset: 2,534 entries.</a:t>
-            </a:r>
-            <a:endParaRPr lang="en-US" dirty="0"/>
+          <a:bodyPr/>
+          <a:lstStyle/>
+          <a:p>
+            <a:endParaRPr dirty="0"/>
           </a:p>
           <a:p>
             <a:pPr>
@@ -5253,47 +5216,201 @@
               </a:defRPr>
             </a:pPr>
             <a:r>
+              <a:rPr dirty="0"/>
+              <a:t>Experiment with advanced NLP models like BERT.</a:t>
+            </a:r>
+          </a:p>
+          <a:p>
+            <a:pPr>
+              <a:defRPr sz="1800">
+                <a:solidFill>
+                  <a:srgbClr val="000000"/>
+                </a:solidFill>
+              </a:defRPr>
+            </a:pPr>
+            <a:r>
+              <a:rPr dirty="0"/>
+              <a:t>Incorporate additional features for richer context.</a:t>
+            </a:r>
+          </a:p>
+          <a:p>
+            <a:pPr>
+              <a:defRPr sz="1800">
+                <a:solidFill>
+                  <a:srgbClr val="000000"/>
+                </a:solidFill>
+              </a:defRPr>
+            </a:pPr>
+            <a:r>
+              <a:rPr dirty="0"/>
+              <a:t>Focus on rare categories with targeted data collection.</a:t>
+            </a:r>
+            <a:endParaRPr lang="en-US" dirty="0"/>
+          </a:p>
+          <a:p>
+            <a:pPr>
+              <a:defRPr sz="1800">
+                <a:solidFill>
+                  <a:srgbClr val="000000"/>
+                </a:solidFill>
+              </a:defRPr>
+            </a:pPr>
+            <a:r>
               <a:rPr lang="en-US" dirty="0"/>
-              <a:t>Train dataset with 15 columns &amp; Test dataset 14 columns.</a:t>
+              <a:t>Use larger datasets for improved generalization.</a:t>
+            </a:r>
+          </a:p>
+        </p:txBody>
+      </p:sp>
+    </p:spTree>
+  </p:cSld>
+  <p:clrMapOvr>
+    <a:masterClrMapping/>
+  </p:clrMapOvr>
+</p:sld>
+</file>
+
+<file path=ppt/slides/slide3.xml><?xml version="1.0" encoding="utf-8"?>
+<p:sld xmlns:a="http://schemas.openxmlformats.org/drawingml/2006/main" xmlns:r="http://schemas.openxmlformats.org/officeDocument/2006/relationships" xmlns:p="http://schemas.openxmlformats.org/presentationml/2006/main">
+  <p:cSld>
+    <p:spTree>
+      <p:nvGrpSpPr>
+        <p:cNvPr id="1" name="">
+          <a:extLst>
+            <a:ext uri="{FF2B5EF4-FFF2-40B4-BE49-F238E27FC236}">
+              <a16:creationId xmlns:a16="http://schemas.microsoft.com/office/drawing/2014/main" id="{7AD51116-6B39-9B53-7E4D-88D953B30225}"/>
+            </a:ext>
+          </a:extLst>
+        </p:cNvPr>
+        <p:cNvGrpSpPr/>
+        <p:nvPr/>
+      </p:nvGrpSpPr>
+      <p:grpSpPr>
+        <a:xfrm>
+          <a:off x="0" y="0"/>
+          <a:ext cx="0" cy="0"/>
+          <a:chOff x="0" y="0"/>
+          <a:chExt cx="0" cy="0"/>
+        </a:xfrm>
+      </p:grpSpPr>
+      <p:sp>
+        <p:nvSpPr>
+          <p:cNvPr id="2" name="Title 1">
+            <a:extLst>
+              <a:ext uri="{FF2B5EF4-FFF2-40B4-BE49-F238E27FC236}">
+                <a16:creationId xmlns:a16="http://schemas.microsoft.com/office/drawing/2014/main" id="{31DBB207-4EE2-ABDC-695D-C22ADCE29C7F}"/>
+              </a:ext>
+            </a:extLst>
+          </p:cNvPr>
+          <p:cNvSpPr>
+            <a:spLocks noGrp="1"/>
+          </p:cNvSpPr>
+          <p:nvPr>
+            <p:ph type="title"/>
+          </p:nvPr>
+        </p:nvSpPr>
+        <p:spPr/>
+        <p:txBody>
+          <a:bodyPr/>
+          <a:lstStyle/>
+          <a:p>
+            <a:r>
+              <a:rPr lang="en-IN" dirty="0"/>
+              <a:t>Problem Solving Approach</a:t>
             </a:r>
             <a:endParaRPr dirty="0"/>
           </a:p>
-          <a:p>
-            <a:r>
-              <a:rPr dirty="0"/>
-              <a:t>- Key features: Category Tree, Description.</a:t>
-            </a:r>
-          </a:p>
-          <a:p>
-            <a:r>
-              <a:rPr dirty="0"/>
-              <a:t>- Missing values in Brand: 4,710 in train, 522 in test.</a:t>
-            </a:r>
-          </a:p>
-          <a:p>
-            <a:r>
-              <a:rPr dirty="0"/>
-              <a:t>- Example categories: Clothing, </a:t>
-            </a:r>
-            <a:r>
-              <a:rPr dirty="0" err="1"/>
-              <a:t>Jewellery</a:t>
-            </a:r>
-            <a:r>
-              <a:rPr dirty="0"/>
-              <a:t>, Automotive, Footwear.</a:t>
-            </a:r>
-            <a:endParaRPr lang="en-US" dirty="0"/>
-          </a:p>
-          <a:p>
-            <a:r>
-              <a:rPr lang="en-US" dirty="0"/>
-              <a:t>Visualization: Heatmap of missing data.</a:t>
+        </p:txBody>
+      </p:sp>
+      <p:sp>
+        <p:nvSpPr>
+          <p:cNvPr id="3" name="Content Placeholder 2">
+            <a:extLst>
+              <a:ext uri="{FF2B5EF4-FFF2-40B4-BE49-F238E27FC236}">
+                <a16:creationId xmlns:a16="http://schemas.microsoft.com/office/drawing/2014/main" id="{1AEFF355-6F72-F3AF-B046-3F9BCD57B893}"/>
+              </a:ext>
+            </a:extLst>
+          </p:cNvPr>
+          <p:cNvSpPr>
+            <a:spLocks noGrp="1"/>
+          </p:cNvSpPr>
+          <p:nvPr>
+            <p:ph idx="1"/>
+          </p:nvPr>
+        </p:nvSpPr>
+        <p:spPr>
+          <a:xfrm>
+            <a:off x="1443491" y="1759974"/>
+            <a:ext cx="6571343" cy="4293505"/>
+          </a:xfrm>
+        </p:spPr>
+        <p:txBody>
+          <a:bodyPr>
+            <a:normAutofit fontScale="85000" lnSpcReduction="10000"/>
+          </a:bodyPr>
+          <a:lstStyle/>
+          <a:p>
+            <a:r>
+              <a:rPr lang="en-US" sz="1800" dirty="0"/>
+              <a:t>Here are the steps involved</a:t>
+            </a:r>
+          </a:p>
+          <a:p>
+            <a:r>
+              <a:rPr lang="en-US" sz="1800" dirty="0"/>
+              <a:t>1) Load the dataset</a:t>
+            </a:r>
+          </a:p>
+          <a:p>
+            <a:r>
+              <a:rPr lang="en-US" sz="1800" dirty="0"/>
+              <a:t>2) Perform Exploratory Data Analysis to extract valuable business insights</a:t>
+            </a:r>
+          </a:p>
+          <a:p>
+            <a:r>
+              <a:rPr lang="en-US" sz="1800" dirty="0"/>
+              <a:t>3) Using NLTK for Data Pre-Processing and Feature Engineering.</a:t>
+            </a:r>
+          </a:p>
+          <a:p>
+            <a:r>
+              <a:rPr lang="en-US" sz="1800" dirty="0"/>
+              <a:t>4) Transform Textual Descriptions to numerical features using techniques like TF-IDF or Word2Vec.</a:t>
+            </a:r>
+          </a:p>
+          <a:p>
+            <a:r>
+              <a:rPr lang="en-US" sz="1800" dirty="0"/>
+              <a:t>5) Perform train-test split</a:t>
+            </a:r>
+          </a:p>
+          <a:p>
+            <a:r>
+              <a:rPr lang="en-US" sz="1800" dirty="0"/>
+              <a:t>6) Train and evaluate various suitable Machine Learning and Deep Learning models.</a:t>
+            </a:r>
+          </a:p>
+          <a:p>
+            <a:r>
+              <a:rPr lang="en-US" sz="1800" dirty="0"/>
+              <a:t>7) Get our predictions.</a:t>
+            </a:r>
+          </a:p>
+          <a:p>
+            <a:r>
+              <a:rPr lang="en-US" sz="1800" dirty="0"/>
+              <a:t>8) Finally, we will compare the various models to get the best performing model.</a:t>
             </a:r>
           </a:p>
         </p:txBody>
       </p:sp>
     </p:spTree>
+    <p:extLst>
+      <p:ext uri="{BB962C8B-B14F-4D97-AF65-F5344CB8AC3E}">
+        <p14:creationId xmlns:p14="http://schemas.microsoft.com/office/powerpoint/2010/main" val="3632798957"/>
+      </p:ext>
+    </p:extLst>
   </p:cSld>
   <p:clrMapOvr>
     <a:masterClrMapping/>
@@ -5334,7 +5451,7 @@
           <a:lstStyle/>
           <a:p>
             <a:r>
-              <a:t>Data Cleaning</a:t>
+              <a:t>Dataset Overview</a:t>
             </a:r>
           </a:p>
         </p:txBody>
@@ -5358,47 +5475,55 @@
           <a:p>
             <a:r>
               <a:rPr dirty="0"/>
-              <a:t>- Steps:</a:t>
-            </a:r>
+              <a:t>- Train dataset: 14,999 entries | Test dataset: 2,534 entries.</a:t>
+            </a:r>
+            <a:endParaRPr lang="en-US" dirty="0"/>
+          </a:p>
+          <a:p>
+            <a:pPr>
+              <a:defRPr sz="1800">
+                <a:solidFill>
+                  <a:srgbClr val="000000"/>
+                </a:solidFill>
+              </a:defRPr>
+            </a:pPr>
+            <a:r>
+              <a:rPr lang="en-US" dirty="0"/>
+              <a:t>Train dataset with 15 columns &amp; Test dataset 14 columns.</a:t>
+            </a:r>
+            <a:endParaRPr dirty="0"/>
           </a:p>
           <a:p>
             <a:r>
               <a:rPr dirty="0"/>
-              <a:t>  1. Removed null and duplicate entries.</a:t>
+              <a:t>- Key features: Category Tree, Description.</a:t>
             </a:r>
           </a:p>
           <a:p>
             <a:r>
               <a:rPr dirty="0"/>
-              <a:t>  2. Dropped unnecessary columns (e.g., URLs, ratings).</a:t>
+              <a:t>- Missing values in Brand: 4,710 in train, 522 in test.</a:t>
             </a:r>
           </a:p>
           <a:p>
             <a:r>
               <a:rPr dirty="0"/>
-              <a:t>  3. Standardized text by lowercasing and removing special characters.</a:t>
+              <a:t>- Example categories: Clothing, </a:t>
+            </a:r>
+            <a:r>
+              <a:rPr dirty="0" err="1"/>
+              <a:t>Jewellery</a:t>
+            </a:r>
+            <a:r>
+              <a:rPr dirty="0"/>
+              <a:t>, Automotive, Footwear.</a:t>
             </a:r>
             <a:endParaRPr lang="en-US" dirty="0"/>
           </a:p>
           <a:p>
             <a:r>
               <a:rPr lang="en-US" dirty="0"/>
-              <a:t>  4. Text normalization (lowercasing, </a:t>
-            </a:r>
-            <a:r>
-              <a:rPr lang="en-US" dirty="0" err="1"/>
-              <a:t>stopword</a:t>
-            </a:r>
-            <a:r>
-              <a:rPr lang="en-US" dirty="0"/>
-              <a:t> removal).</a:t>
-            </a:r>
-            <a:endParaRPr dirty="0"/>
-          </a:p>
-          <a:p>
-            <a:r>
-              <a:rPr dirty="0"/>
-              <a:t>- Result: Cleaned data ready for analysis and modeling.</a:t>
+              <a:t>Visualization: Heatmap of missing data.</a:t>
             </a:r>
           </a:p>
         </p:txBody>
@@ -5444,7 +5569,7 @@
           <a:lstStyle/>
           <a:p>
             <a:r>
-              <a:t>Exploratory Data Analysis (EDA)</a:t>
+              <a:t>Data Cleaning</a:t>
             </a:r>
           </a:p>
         </p:txBody>
@@ -5461,36 +5586,54 @@
         </p:nvSpPr>
         <p:spPr/>
         <p:txBody>
-          <a:bodyPr/>
-          <a:lstStyle/>
-          <a:p>
-            <a:r>
-              <a:t>- Distribution of product categories (top: Clothing, Jewellery).</a:t>
-            </a:r>
-          </a:p>
-          <a:p>
-            <a:r>
-              <a:t>- Text length statistics:</a:t>
-            </a:r>
-          </a:p>
-          <a:p>
-            <a:r>
-              <a:t>  - Max length: 5,309.</a:t>
-            </a:r>
-          </a:p>
-          <a:p>
-            <a:r>
-              <a:t>  - Min length: 74.</a:t>
-            </a:r>
-          </a:p>
-          <a:p>
-            <a:r>
-              <a:t>  - Average length: 410.</a:t>
-            </a:r>
-          </a:p>
-          <a:p>
-            <a:r>
-              <a:t>- Visuals: Histograms, bar charts for categorical distribution.</a:t>
+          <a:bodyPr>
+            <a:normAutofit/>
+          </a:bodyPr>
+          <a:lstStyle/>
+          <a:p>
+            <a:r>
+              <a:rPr dirty="0"/>
+              <a:t>- Steps:</a:t>
+            </a:r>
+          </a:p>
+          <a:p>
+            <a:r>
+              <a:rPr dirty="0"/>
+              <a:t>  1. Removed null and duplicate entries.</a:t>
+            </a:r>
+          </a:p>
+          <a:p>
+            <a:r>
+              <a:rPr dirty="0"/>
+              <a:t>  2. Dropped unnecessary columns (e.g., URLs, ratings).</a:t>
+            </a:r>
+          </a:p>
+          <a:p>
+            <a:r>
+              <a:rPr dirty="0"/>
+              <a:t>  3. Standardized text by lowercasing and removing special characters.</a:t>
+            </a:r>
+            <a:endParaRPr lang="en-US" dirty="0"/>
+          </a:p>
+          <a:p>
+            <a:r>
+              <a:rPr lang="en-US" dirty="0"/>
+              <a:t>  4. Text normalization (lowercasing, </a:t>
+            </a:r>
+            <a:r>
+              <a:rPr lang="en-US" dirty="0" err="1"/>
+              <a:t>stopword</a:t>
+            </a:r>
+            <a:r>
+              <a:rPr lang="en-US" dirty="0"/>
+              <a:t> removal).</a:t>
+            </a:r>
+            <a:endParaRPr dirty="0"/>
+          </a:p>
+          <a:p>
+            <a:r>
+              <a:rPr dirty="0"/>
+              <a:t>- Result: Cleaned data ready for analysis and modeling.</a:t>
             </a:r>
           </a:p>
         </p:txBody>
@@ -5536,7 +5679,7 @@
           <a:lstStyle/>
           <a:p>
             <a:r>
-              <a:t>Descriptive Text Analysis</a:t>
+              <a:t>Exploratory Data Analysis (EDA)</a:t>
             </a:r>
           </a:p>
         </p:txBody>
@@ -5557,27 +5700,32 @@
           <a:lstStyle/>
           <a:p>
             <a:r>
-              <a:t>- Analyzed most common words across descriptions.</a:t>
-            </a:r>
-          </a:p>
-          <a:p>
-            <a:r>
-              <a:t>- Removed non-informative words (e.g., shipping, delivery).</a:t>
-            </a:r>
-          </a:p>
-          <a:p>
-            <a:r>
-              <a:t>- Visuals:</a:t>
-            </a:r>
-          </a:p>
-          <a:p>
-            <a:r>
-              <a:t>  - Word clouds for entire dataset and category-wise.</a:t>
-            </a:r>
-          </a:p>
-          <a:p>
-            <a:r>
-              <a:t>  - Top 40 most common words (bar chart).</a:t>
+              <a:t>- Distribution of product categories (top: Clothing, Jewellery).</a:t>
+            </a:r>
+          </a:p>
+          <a:p>
+            <a:r>
+              <a:t>- Text length statistics:</a:t>
+            </a:r>
+          </a:p>
+          <a:p>
+            <a:r>
+              <a:t>  - Max length: 5,309.</a:t>
+            </a:r>
+          </a:p>
+          <a:p>
+            <a:r>
+              <a:t>  - Min length: 74.</a:t>
+            </a:r>
+          </a:p>
+          <a:p>
+            <a:r>
+              <a:t>  - Average length: 410.</a:t>
+            </a:r>
+          </a:p>
+          <a:p>
+            <a:r>
+              <a:t>- Visuals: Histograms, bar charts for categorical distribution.</a:t>
             </a:r>
           </a:p>
         </p:txBody>
@@ -5623,7 +5771,7 @@
           <a:lstStyle/>
           <a:p>
             <a:r>
-              <a:t>Feature Engineering</a:t>
+              <a:t>Descriptive Text Analysis</a:t>
             </a:r>
           </a:p>
         </p:txBody>
@@ -5644,36 +5792,28 @@
           <a:lstStyle/>
           <a:p>
             <a:r>
-              <a:t>- Transformed text data into numerical features:</a:t>
-            </a:r>
-          </a:p>
-          <a:p>
-            <a:r>
-              <a:t>  - Bag-of-Words and TF-IDF.</a:t>
-            </a:r>
-          </a:p>
-          <a:p>
-            <a:r>
-              <a:t>  - Custom preprocessing pipeline for lemmatization and filtering.</a:t>
-            </a:r>
-          </a:p>
-          <a:p>
-            <a:r>
-              <a:t>- Example:</a:t>
-            </a:r>
-          </a:p>
-          <a:p>
-            <a:r>
-              <a:t>  - Raw text: 'Women’s cycling shorts.'</a:t>
-            </a:r>
-          </a:p>
-          <a:p>
-            <a:r>
-              <a:t>  - Cleaned: 'woman cycling short'.</a:t>
-            </a:r>
-          </a:p>
-          <a:p>
-            <a:endParaRPr/>
+              <a:t>- Analyzed most common words across descriptions.</a:t>
+            </a:r>
+          </a:p>
+          <a:p>
+            <a:r>
+              <a:t>- Removed non-informative words (e.g., shipping, delivery).</a:t>
+            </a:r>
+          </a:p>
+          <a:p>
+            <a:r>
+              <a:t>- Visuals:</a:t>
+            </a:r>
+          </a:p>
+          <a:p>
+            <a:r>
+              <a:t>  - Word clouds for entire dataset and category-wise.</a:t>
+            </a:r>
+          </a:p>
+          <a:p>
+            <a:r>
+              <a:t>  - Top 40 most common words (bar chart).</a:t>
+            </a:r>
           </a:p>
         </p:txBody>
       </p:sp>
@@ -5686,6 +5826,101 @@
 </file>
 
 <file path=ppt/slides/slide8.xml><?xml version="1.0" encoding="utf-8"?>
+<p:sld xmlns:a="http://schemas.openxmlformats.org/drawingml/2006/main" xmlns:r="http://schemas.openxmlformats.org/officeDocument/2006/relationships" xmlns:p="http://schemas.openxmlformats.org/presentationml/2006/main">
+  <p:cSld>
+    <p:spTree>
+      <p:nvGrpSpPr>
+        <p:cNvPr id="1" name=""/>
+        <p:cNvGrpSpPr/>
+        <p:nvPr/>
+      </p:nvGrpSpPr>
+      <p:grpSpPr>
+        <a:xfrm>
+          <a:off x="0" y="0"/>
+          <a:ext cx="0" cy="0"/>
+          <a:chOff x="0" y="0"/>
+          <a:chExt cx="0" cy="0"/>
+        </a:xfrm>
+      </p:grpSpPr>
+      <p:sp>
+        <p:nvSpPr>
+          <p:cNvPr id="2" name="Title 1"/>
+          <p:cNvSpPr>
+            <a:spLocks noGrp="1"/>
+          </p:cNvSpPr>
+          <p:nvPr>
+            <p:ph type="title"/>
+          </p:nvPr>
+        </p:nvSpPr>
+        <p:spPr/>
+        <p:txBody>
+          <a:bodyPr/>
+          <a:lstStyle/>
+          <a:p>
+            <a:r>
+              <a:t>Feature Engineering</a:t>
+            </a:r>
+          </a:p>
+        </p:txBody>
+      </p:sp>
+      <p:sp>
+        <p:nvSpPr>
+          <p:cNvPr id="3" name="Content Placeholder 2"/>
+          <p:cNvSpPr>
+            <a:spLocks noGrp="1"/>
+          </p:cNvSpPr>
+          <p:nvPr>
+            <p:ph idx="1"/>
+          </p:nvPr>
+        </p:nvSpPr>
+        <p:spPr/>
+        <p:txBody>
+          <a:bodyPr/>
+          <a:lstStyle/>
+          <a:p>
+            <a:r>
+              <a:t>- Transformed text data into numerical features:</a:t>
+            </a:r>
+          </a:p>
+          <a:p>
+            <a:r>
+              <a:t>  - Bag-of-Words and TF-IDF.</a:t>
+            </a:r>
+          </a:p>
+          <a:p>
+            <a:r>
+              <a:t>  - Custom preprocessing pipeline for lemmatization and filtering.</a:t>
+            </a:r>
+          </a:p>
+          <a:p>
+            <a:r>
+              <a:t>- Example:</a:t>
+            </a:r>
+          </a:p>
+          <a:p>
+            <a:r>
+              <a:t>  - Raw text: 'Women’s cycling shorts.'</a:t>
+            </a:r>
+          </a:p>
+          <a:p>
+            <a:r>
+              <a:t>  - Cleaned: 'woman cycling short'.</a:t>
+            </a:r>
+          </a:p>
+          <a:p>
+            <a:endParaRPr/>
+          </a:p>
+        </p:txBody>
+      </p:sp>
+    </p:spTree>
+  </p:cSld>
+  <p:clrMapOvr>
+    <a:masterClrMapping/>
+  </p:clrMapOvr>
+</p:sld>
+</file>
+
+<file path=ppt/slides/slide9.xml><?xml version="1.0" encoding="utf-8"?>
 <p:sld xmlns:a="http://schemas.openxmlformats.org/drawingml/2006/main" xmlns:r="http://schemas.openxmlformats.org/officeDocument/2006/relationships" xmlns:p="http://schemas.openxmlformats.org/presentationml/2006/main">
   <p:cSld>
     <p:bg>
@@ -5827,92 +6062,6 @@
   </p:cSld>
   <p:clrMapOvr>
     <a:overrideClrMapping bg1="lt1" tx1="dk1" bg2="lt2" tx2="dk2" accent1="accent1" accent2="accent2" accent3="accent3" accent4="accent4" accent5="accent5" accent6="accent6" hlink="hlink" folHlink="folHlink"/>
-  </p:clrMapOvr>
-</p:sld>
-</file>
-
-<file path=ppt/slides/slide9.xml><?xml version="1.0" encoding="utf-8"?>
-<p:sld xmlns:a="http://schemas.openxmlformats.org/drawingml/2006/main" xmlns:r="http://schemas.openxmlformats.org/officeDocument/2006/relationships" xmlns:p="http://schemas.openxmlformats.org/presentationml/2006/main">
-  <p:cSld>
-    <p:spTree>
-      <p:nvGrpSpPr>
-        <p:cNvPr id="1" name=""/>
-        <p:cNvGrpSpPr/>
-        <p:nvPr/>
-      </p:nvGrpSpPr>
-      <p:grpSpPr>
-        <a:xfrm>
-          <a:off x="0" y="0"/>
-          <a:ext cx="0" cy="0"/>
-          <a:chOff x="0" y="0"/>
-          <a:chExt cx="0" cy="0"/>
-        </a:xfrm>
-      </p:grpSpPr>
-      <p:sp>
-        <p:nvSpPr>
-          <p:cNvPr id="2" name="Title 1"/>
-          <p:cNvSpPr>
-            <a:spLocks noGrp="1"/>
-          </p:cNvSpPr>
-          <p:nvPr>
-            <p:ph type="title"/>
-          </p:nvPr>
-        </p:nvSpPr>
-        <p:spPr/>
-        <p:txBody>
-          <a:bodyPr/>
-          <a:lstStyle/>
-          <a:p>
-            <a:r>
-              <a:t>Logistic Regression Model</a:t>
-            </a:r>
-          </a:p>
-        </p:txBody>
-      </p:sp>
-      <p:sp>
-        <p:nvSpPr>
-          <p:cNvPr id="3" name="Content Placeholder 2"/>
-          <p:cNvSpPr>
-            <a:spLocks noGrp="1"/>
-          </p:cNvSpPr>
-          <p:nvPr>
-            <p:ph idx="1"/>
-          </p:nvPr>
-        </p:nvSpPr>
-        <p:spPr/>
-        <p:txBody>
-          <a:bodyPr/>
-          <a:lstStyle/>
-          <a:p>
-            <a:r>
-              <a:rPr dirty="0"/>
-              <a:t>- Results:</a:t>
-            </a:r>
-          </a:p>
-          <a:p>
-            <a:r>
-              <a:rPr dirty="0"/>
-              <a:t>  - Accuracy: 96.99%.</a:t>
-            </a:r>
-          </a:p>
-          <a:p>
-            <a:r>
-              <a:rPr dirty="0"/>
-              <a:t>  - F1 Score: 0.96.</a:t>
-            </a:r>
-          </a:p>
-          <a:p>
-            <a:r>
-              <a:rPr dirty="0"/>
-              <a:t>- Use case: Baseline performance comparison.</a:t>
-            </a:r>
-          </a:p>
-        </p:txBody>
-      </p:sp>
-    </p:spTree>
-  </p:cSld>
-  <p:clrMapOvr>
-    <a:masterClrMapping/>
   </p:clrMapOvr>
 </p:sld>
 </file>
